--- a/differential_form/fig/fig.pptx
+++ b/differential_form/fig/fig.pptx
@@ -514,6 +514,91 @@
 </p:notesMaster>
 </file>
 
+<file path=ppt/notesSlides/notesSlide1.xml><?xml version="1.0" encoding="utf-8"?>
+<p:notes xmlns:a="http://schemas.openxmlformats.org/drawingml/2006/main" xmlns:r="http://schemas.openxmlformats.org/officeDocument/2006/relationships" xmlns:p="http://schemas.openxmlformats.org/presentationml/2006/main">
+  <p:cSld>
+    <p:spTree>
+      <p:nvGrpSpPr>
+        <p:cNvPr id="1" name=""/>
+        <p:cNvGrpSpPr/>
+        <p:nvPr/>
+      </p:nvGrpSpPr>
+      <p:grpSpPr>
+        <a:xfrm>
+          <a:off x="0" y="0"/>
+          <a:ext cx="0" cy="0"/>
+          <a:chOff x="0" y="0"/>
+          <a:chExt cx="0" cy="0"/>
+        </a:xfrm>
+      </p:grpSpPr>
+      <p:sp>
+        <p:nvSpPr>
+          <p:cNvPr id="2" name="スライド イメージ プレースホルダー 1"/>
+          <p:cNvSpPr>
+            <a:spLocks noGrp="1" noRot="1" noChangeAspect="1"/>
+          </p:cNvSpPr>
+          <p:nvPr>
+            <p:ph type="sldImg"/>
+          </p:nvPr>
+        </p:nvSpPr>
+        <p:spPr/>
+      </p:sp>
+      <p:sp>
+        <p:nvSpPr>
+          <p:cNvPr id="3" name="ノート プレースホルダー 2"/>
+          <p:cNvSpPr>
+            <a:spLocks noGrp="1"/>
+          </p:cNvSpPr>
+          <p:nvPr>
+            <p:ph type="body" idx="1"/>
+          </p:nvPr>
+        </p:nvSpPr>
+        <p:spPr/>
+        <p:txBody>
+          <a:bodyPr/>
+          <a:lstStyle/>
+          <a:p>
+            <a:endParaRPr kumimoji="1" lang="ja-JP" altLang="en-US"/>
+          </a:p>
+        </p:txBody>
+      </p:sp>
+      <p:sp>
+        <p:nvSpPr>
+          <p:cNvPr id="4" name="スライド番号プレースホルダー 3"/>
+          <p:cNvSpPr>
+            <a:spLocks noGrp="1"/>
+          </p:cNvSpPr>
+          <p:nvPr>
+            <p:ph type="sldNum" sz="quarter" idx="5"/>
+          </p:nvPr>
+        </p:nvSpPr>
+        <p:spPr/>
+        <p:txBody>
+          <a:bodyPr/>
+          <a:lstStyle/>
+          <a:p>
+            <a:fld id="{658B8C6D-C3B1-8D4B-883D-F931C7D3B8B2}" type="slidenum">
+              <a:rPr lang="ja-JP" altLang="en-US" smtClean="0"/>
+              <a:pPr/>
+              <a:t>1</a:t>
+            </a:fld>
+            <a:endParaRPr lang="ja-JP" altLang="en-US"/>
+          </a:p>
+        </p:txBody>
+      </p:sp>
+    </p:spTree>
+    <p:extLst>
+      <p:ext uri="{BB962C8B-B14F-4D97-AF65-F5344CB8AC3E}">
+        <p14:creationId xmlns:p14="http://schemas.microsoft.com/office/powerpoint/2010/main" val="1530940593"/>
+      </p:ext>
+    </p:extLst>
+  </p:cSld>
+  <p:clrMapOvr>
+    <a:masterClrMapping/>
+  </p:clrMapOvr>
+</p:notes>
+</file>
+
 <file path=ppt/slideLayouts/slideLayout1.xml><?xml version="1.0" encoding="utf-8"?>
 <p:sldLayout xmlns:a="http://schemas.openxmlformats.org/drawingml/2006/main" xmlns:r="http://schemas.openxmlformats.org/officeDocument/2006/relationships" xmlns:p="http://schemas.openxmlformats.org/presentationml/2006/main" preserve="1" userDrawn="1">
   <p:cSld name="タイトル スライド">
@@ -851,7 +936,7 @@
         </p:nvSpPr>
         <p:spPr>
           <a:xfrm>
-            <a:off x="1763688" y="5258817"/>
+            <a:off x="1835696" y="2780928"/>
             <a:ext cx="936104" cy="504056"/>
           </a:xfrm>
           <a:prstGeom prst="roundRect">
@@ -892,7 +977,7 @@
         </p:nvSpPr>
         <p:spPr>
           <a:xfrm>
-            <a:off x="3203848" y="5114801"/>
+            <a:off x="3347864" y="2636912"/>
             <a:ext cx="1152128" cy="792088"/>
           </a:xfrm>
           <a:prstGeom prst="roundRect">
@@ -933,7 +1018,7 @@
         </p:nvSpPr>
         <p:spPr>
           <a:xfrm>
-            <a:off x="1187624" y="5258817"/>
+            <a:off x="1331640" y="2780928"/>
             <a:ext cx="504056" cy="504056"/>
           </a:xfrm>
           <a:prstGeom prst="roundRect">
@@ -974,14 +1059,14 @@
         </p:nvSpPr>
         <p:spPr>
           <a:xfrm>
-            <a:off x="4716016" y="866329"/>
+            <a:off x="827584" y="4034681"/>
             <a:ext cx="4104456" cy="2664296"/>
           </a:xfrm>
           <a:prstGeom prst="roundRect">
             <a:avLst/>
           </a:prstGeom>
           <a:solidFill>
-            <a:schemeClr val="accent5">
+            <a:schemeClr val="accent6">
               <a:lumMod val="20000"/>
               <a:lumOff val="80000"/>
             </a:schemeClr>
@@ -1017,14 +1102,14 @@
         </p:nvSpPr>
         <p:spPr>
           <a:xfrm>
-            <a:off x="755576" y="2594521"/>
+            <a:off x="5292080" y="692696"/>
             <a:ext cx="3384376" cy="1152128"/>
           </a:xfrm>
           <a:prstGeom prst="roundRect">
             <a:avLst/>
           </a:prstGeom>
           <a:solidFill>
-            <a:schemeClr val="accent6">
+            <a:schemeClr val="accent5">
               <a:lumMod val="20000"/>
               <a:lumOff val="80000"/>
             </a:schemeClr>
@@ -1060,7 +1145,7 @@
         </p:nvSpPr>
         <p:spPr>
           <a:xfrm>
-            <a:off x="755576" y="866329"/>
+            <a:off x="755576" y="620688"/>
             <a:ext cx="3384376" cy="1152128"/>
           </a:xfrm>
           <a:prstGeom prst="roundRect">
@@ -1105,7 +1190,7 @@
             </p:nvSpPr>
             <p:spPr>
               <a:xfrm>
-                <a:off x="4860032" y="1073061"/>
+                <a:off x="971600" y="4241413"/>
                 <a:ext cx="3367332" cy="764505"/>
               </a:xfrm>
               <a:prstGeom prst="rect">
@@ -1119,6 +1204,7 @@
               </a:bodyPr>
               <a:lstStyle/>
               <a:p>
+                <a:pPr/>
                 <a14:m>
                   <m:oMathPara xmlns:m="http://schemas.openxmlformats.org/officeDocument/2006/math">
                     <m:oMathParaPr>
@@ -1332,14 +1418,14 @@
             </p:nvSpPr>
             <p:spPr>
               <a:xfrm>
-                <a:off x="4860032" y="1073061"/>
+                <a:off x="971600" y="4241413"/>
                 <a:ext cx="3367332" cy="764505"/>
               </a:xfrm>
               <a:prstGeom prst="rect">
                 <a:avLst/>
               </a:prstGeom>
               <a:blipFill>
-                <a:blip r:embed="rId2"/>
+                <a:blip r:embed="rId3"/>
                 <a:stretch>
                   <a:fillRect/>
                 </a:stretch>
@@ -1376,7 +1462,7 @@
             </p:nvSpPr>
             <p:spPr>
               <a:xfrm>
-                <a:off x="6228184" y="1937157"/>
+                <a:off x="2339752" y="5105509"/>
                 <a:ext cx="2497800" cy="829843"/>
               </a:xfrm>
               <a:prstGeom prst="rect">
@@ -1390,6 +1476,7 @@
               </a:bodyPr>
               <a:lstStyle/>
               <a:p>
+                <a:pPr/>
                 <a14:m>
                   <m:oMathPara xmlns:m="http://schemas.openxmlformats.org/officeDocument/2006/math">
                     <m:oMathParaPr>
@@ -1548,14 +1635,14 @@
             </p:nvSpPr>
             <p:spPr>
               <a:xfrm>
-                <a:off x="6228184" y="1937157"/>
+                <a:off x="2339752" y="5105509"/>
                 <a:ext cx="2497800" cy="829843"/>
               </a:xfrm>
               <a:prstGeom prst="rect">
                 <a:avLst/>
               </a:prstGeom>
               <a:blipFill>
-                <a:blip r:embed="rId3"/>
+                <a:blip r:embed="rId4"/>
                 <a:stretch>
                   <a:fillRect/>
                 </a:stretch>
@@ -1592,7 +1679,7 @@
             </p:nvSpPr>
             <p:spPr>
               <a:xfrm>
-                <a:off x="6228184" y="3017277"/>
+                <a:off x="2339752" y="6185629"/>
                 <a:ext cx="1072730" cy="369332"/>
               </a:xfrm>
               <a:prstGeom prst="rect">
@@ -1606,6 +1693,7 @@
               </a:bodyPr>
               <a:lstStyle/>
               <a:p>
+                <a:pPr/>
                 <a14:m>
                   <m:oMathPara xmlns:m="http://schemas.openxmlformats.org/officeDocument/2006/math">
                     <m:oMathParaPr>
@@ -1649,16 +1737,16 @@
             </p:nvSpPr>
             <p:spPr>
               <a:xfrm>
-                <a:off x="6228184" y="3017277"/>
+                <a:off x="2339752" y="6185629"/>
                 <a:ext cx="1072730" cy="369332"/>
               </a:xfrm>
               <a:prstGeom prst="rect">
                 <a:avLst/>
               </a:prstGeom>
               <a:blipFill>
-                <a:blip r:embed="rId4"/>
+                <a:blip r:embed="rId5"/>
                 <a:stretch>
-                  <a:fillRect l="-2841" r="-6250" b="-4918"/>
+                  <a:fillRect l="-2841" r="-6250" b="-6667"/>
                 </a:stretch>
               </a:blipFill>
             </p:spPr>
@@ -1693,7 +1781,7 @@
             </p:nvSpPr>
             <p:spPr>
               <a:xfrm>
-                <a:off x="1331640" y="1298377"/>
+                <a:off x="1331640" y="1052736"/>
                 <a:ext cx="2301143" cy="492443"/>
               </a:xfrm>
               <a:prstGeom prst="rect">
@@ -1707,6 +1795,7 @@
               </a:bodyPr>
               <a:lstStyle/>
               <a:p>
+                <a:pPr/>
                 <a14:m>
                   <m:oMathPara xmlns:m="http://schemas.openxmlformats.org/officeDocument/2006/math">
                     <m:oMathParaPr>
@@ -1768,14 +1857,14 @@
             </p:nvSpPr>
             <p:spPr>
               <a:xfrm>
-                <a:off x="1331640" y="1298377"/>
+                <a:off x="1331640" y="1052736"/>
                 <a:ext cx="2301143" cy="492443"/>
               </a:xfrm>
               <a:prstGeom prst="rect">
                 <a:avLst/>
               </a:prstGeom>
               <a:blipFill>
-                <a:blip r:embed="rId5"/>
+                <a:blip r:embed="rId6"/>
                 <a:stretch>
                   <a:fillRect/>
                 </a:stretch>
@@ -1812,7 +1901,7 @@
             </p:nvSpPr>
             <p:spPr>
               <a:xfrm>
-                <a:off x="971600" y="2882553"/>
+                <a:off x="5508104" y="980728"/>
                 <a:ext cx="2864695" cy="764505"/>
               </a:xfrm>
               <a:prstGeom prst="rect">
@@ -1826,6 +1915,7 @@
               </a:bodyPr>
               <a:lstStyle/>
               <a:p>
+                <a:pPr/>
                 <a14:m>
                   <m:oMathPara xmlns:m="http://schemas.openxmlformats.org/officeDocument/2006/math">
                     <m:oMathParaPr>
@@ -1967,14 +2057,14 @@
             </p:nvSpPr>
             <p:spPr>
               <a:xfrm>
-                <a:off x="971600" y="2882553"/>
+                <a:off x="5508104" y="980728"/>
                 <a:ext cx="2864695" cy="764505"/>
               </a:xfrm>
               <a:prstGeom prst="rect">
                 <a:avLst/>
               </a:prstGeom>
               <a:blipFill>
-                <a:blip r:embed="rId6"/>
+                <a:blip r:embed="rId7"/>
                 <a:stretch>
                   <a:fillRect/>
                 </a:stretch>
@@ -2011,7 +2101,7 @@
             </p:nvSpPr>
             <p:spPr>
               <a:xfrm>
-                <a:off x="1043608" y="5258817"/>
+                <a:off x="1187624" y="2780928"/>
                 <a:ext cx="3261662" cy="553998"/>
               </a:xfrm>
               <a:prstGeom prst="rect">
@@ -2025,6 +2115,7 @@
               </a:bodyPr>
               <a:lstStyle/>
               <a:p>
+                <a:pPr/>
                 <a14:m>
                   <m:oMathPara xmlns:m="http://schemas.openxmlformats.org/officeDocument/2006/math">
                     <m:oMathParaPr>
@@ -2099,14 +2190,14 @@
             </p:nvSpPr>
             <p:spPr>
               <a:xfrm>
-                <a:off x="1043608" y="5258817"/>
+                <a:off x="1187624" y="2780928"/>
                 <a:ext cx="3261662" cy="553998"/>
               </a:xfrm>
               <a:prstGeom prst="rect">
                 <a:avLst/>
               </a:prstGeom>
               <a:blipFill>
-                <a:blip r:embed="rId7"/>
+                <a:blip r:embed="rId8"/>
                 <a:stretch>
                   <a:fillRect/>
                 </a:stretch>
@@ -2143,7 +2234,7 @@
             </p:nvSpPr>
             <p:spPr>
               <a:xfrm>
-                <a:off x="6300192" y="4682753"/>
+                <a:off x="5940152" y="2420888"/>
                 <a:ext cx="1540615" cy="1664815"/>
               </a:xfrm>
               <a:prstGeom prst="rect">
@@ -2157,6 +2248,7 @@
               </a:bodyPr>
               <a:lstStyle/>
               <a:p>
+                <a:pPr/>
                 <a14:m>
                   <m:oMathPara xmlns:m="http://schemas.openxmlformats.org/officeDocument/2006/math">
                     <m:oMathParaPr>
@@ -2336,14 +2428,14 @@
             </p:nvSpPr>
             <p:spPr>
               <a:xfrm>
-                <a:off x="6300192" y="4682753"/>
+                <a:off x="5940152" y="2420888"/>
                 <a:ext cx="1540615" cy="1664815"/>
               </a:xfrm>
               <a:prstGeom prst="rect">
                 <a:avLst/>
               </a:prstGeom>
               <a:blipFill>
-                <a:blip r:embed="rId8"/>
+                <a:blip r:embed="rId9"/>
                 <a:stretch>
                   <a:fillRect/>
                 </a:stretch>
@@ -2378,7 +2470,7 @@
         </p:nvSpPr>
         <p:spPr>
           <a:xfrm>
-            <a:off x="4860032" y="5330825"/>
+            <a:off x="4716016" y="2852936"/>
             <a:ext cx="1008112" cy="432048"/>
           </a:xfrm>
           <a:prstGeom prst="leftRightArrow">
@@ -2418,7 +2510,7 @@
         </p:nvSpPr>
         <p:spPr>
           <a:xfrm>
-            <a:off x="1619672" y="650305"/>
+            <a:off x="1619672" y="404664"/>
             <a:ext cx="1571264" cy="461665"/>
           </a:xfrm>
           <a:prstGeom prst="rect">
@@ -2469,7 +2561,7 @@
         </p:nvSpPr>
         <p:spPr>
           <a:xfrm>
-            <a:off x="971600" y="2306489"/>
+            <a:off x="5508104" y="404664"/>
             <a:ext cx="2953053" cy="461665"/>
           </a:xfrm>
           <a:prstGeom prst="rect">
@@ -2512,7 +2604,7 @@
         </p:nvSpPr>
         <p:spPr>
           <a:xfrm>
-            <a:off x="5426644" y="548680"/>
+            <a:off x="1754236" y="3717032"/>
             <a:ext cx="2457724" cy="461665"/>
           </a:xfrm>
           <a:prstGeom prst="rect">
@@ -2551,18 +2643,22 @@
             </a:extLst>
           </p:cNvPr>
           <p:cNvCxnSpPr>
-            <a:stCxn id="19" idx="2"/>
-            <a:endCxn id="21" idx="0"/>
+            <a:cxnSpLocks/>
+            <a:stCxn id="19" idx="1"/>
+            <a:endCxn id="22" idx="2"/>
           </p:cNvCxnSpPr>
           <p:nvPr/>
         </p:nvCxnSpPr>
         <p:spPr>
-          <a:xfrm rot="5400000">
-            <a:off x="4481990" y="2828547"/>
-            <a:ext cx="1584176" cy="2988332"/>
+          <a:xfrm rot="10800000" flipH="1">
+            <a:off x="827584" y="3284985"/>
+            <a:ext cx="1476164" cy="2081845"/>
           </a:xfrm>
-          <a:prstGeom prst="bentConnector3">
-            <a:avLst/>
+          <a:prstGeom prst="bentConnector4">
+            <a:avLst>
+              <a:gd name="adj1" fmla="val -15486"/>
+              <a:gd name="adj2" fmla="val 81994"/>
+            </a:avLst>
           </a:prstGeom>
           <a:ln w="9525">
             <a:solidFill>
@@ -2600,17 +2696,19 @@
           <p:cNvCxnSpPr>
             <a:cxnSpLocks/>
             <a:stCxn id="17" idx="2"/>
-            <a:endCxn id="22" idx="0"/>
+            <a:endCxn id="21" idx="0"/>
           </p:cNvCxnSpPr>
           <p:nvPr/>
         </p:nvCxnSpPr>
         <p:spPr>
           <a:xfrm rot="5400000">
-            <a:off x="1583668" y="4394721"/>
-            <a:ext cx="1512168" cy="216024"/>
+            <a:off x="5058054" y="710698"/>
+            <a:ext cx="792088" cy="3060340"/>
           </a:xfrm>
           <a:prstGeom prst="bentConnector3">
-            <a:avLst/>
+            <a:avLst>
+              <a:gd name="adj1" fmla="val 50000"/>
+            </a:avLst>
           </a:prstGeom>
           <a:ln w="9525">
             <a:solidFill>
@@ -2654,12 +2752,12 @@
         </p:nvCxnSpPr>
         <p:spPr>
           <a:xfrm rot="10800000" flipH="1" flipV="1">
-            <a:off x="755576" y="1442392"/>
-            <a:ext cx="288032" cy="4093423"/>
+            <a:off x="755576" y="1196751"/>
+            <a:ext cx="432048" cy="1861175"/>
           </a:xfrm>
           <a:prstGeom prst="bentConnector3">
             <a:avLst>
-              <a:gd name="adj1" fmla="val -79366"/>
+              <a:gd name="adj1" fmla="val -52911"/>
             </a:avLst>
           </a:prstGeom>
           <a:ln w="9525">

--- a/differential_form/fig/fig.pptx
+++ b/differential_form/fig/fig.pptx
@@ -212,7 +212,7 @@
             <a:fld id="{D2C63D3F-0352-EF45-A95C-C8137A1B6577}" type="datetimeFigureOut">
               <a:rPr lang="ja-JP" altLang="en-US" smtClean="0"/>
               <a:pPr/>
-              <a:t>2023/7/8</a:t>
+              <a:t>2024/7/19</a:t>
             </a:fld>
             <a:endParaRPr lang="ja-JP" altLang="en-US"/>
           </a:p>
@@ -1102,7 +1102,7 @@
         </p:nvSpPr>
         <p:spPr>
           <a:xfrm>
-            <a:off x="5292080" y="692696"/>
+            <a:off x="4088954" y="401961"/>
             <a:ext cx="3384376" cy="1152128"/>
           </a:xfrm>
           <a:prstGeom prst="roundRect">
@@ -1145,7 +1145,7 @@
         </p:nvSpPr>
         <p:spPr>
           <a:xfrm>
-            <a:off x="755576" y="620688"/>
+            <a:off x="323528" y="1289956"/>
             <a:ext cx="3384376" cy="1152128"/>
           </a:xfrm>
           <a:prstGeom prst="roundRect">
@@ -1174,8 +1174,8 @@
           </a:p>
         </p:txBody>
       </p:sp>
-      <mc:AlternateContent xmlns:mc="http://schemas.openxmlformats.org/markup-compatibility/2006">
-        <mc:Choice xmlns:a14="http://schemas.microsoft.com/office/drawing/2010/main" Requires="a14">
+      <mc:AlternateContent xmlns:mc="http://schemas.openxmlformats.org/markup-compatibility/2006" xmlns:a14="http://schemas.microsoft.com/office/drawing/2010/main">
+        <mc:Choice Requires="a14">
           <p:sp>
             <p:nvSpPr>
               <p:cNvPr id="2" name="テキスト ボックス 1">
@@ -1401,7 +1401,7 @@
             </p:txBody>
           </p:sp>
         </mc:Choice>
-        <mc:Fallback>
+        <mc:Fallback xmlns="">
           <p:sp>
             <p:nvSpPr>
               <p:cNvPr id="2" name="テキスト ボックス 1">
@@ -1446,8 +1446,8 @@
           </p:sp>
         </mc:Fallback>
       </mc:AlternateContent>
-      <mc:AlternateContent xmlns:mc="http://schemas.openxmlformats.org/markup-compatibility/2006">
-        <mc:Choice xmlns:a14="http://schemas.microsoft.com/office/drawing/2010/main" Requires="a14">
+      <mc:AlternateContent xmlns:mc="http://schemas.openxmlformats.org/markup-compatibility/2006" xmlns:a14="http://schemas.microsoft.com/office/drawing/2010/main">
+        <mc:Choice Requires="a14">
           <p:sp>
             <p:nvSpPr>
               <p:cNvPr id="3" name="テキスト ボックス 2">
@@ -1618,7 +1618,7 @@
             </p:txBody>
           </p:sp>
         </mc:Choice>
-        <mc:Fallback>
+        <mc:Fallback xmlns="">
           <p:sp>
             <p:nvSpPr>
               <p:cNvPr id="3" name="テキスト ボックス 2">
@@ -1663,8 +1663,8 @@
           </p:sp>
         </mc:Fallback>
       </mc:AlternateContent>
-      <mc:AlternateContent xmlns:mc="http://schemas.openxmlformats.org/markup-compatibility/2006">
-        <mc:Choice xmlns:a14="http://schemas.microsoft.com/office/drawing/2010/main" Requires="a14">
+      <mc:AlternateContent xmlns:mc="http://schemas.openxmlformats.org/markup-compatibility/2006" xmlns:a14="http://schemas.microsoft.com/office/drawing/2010/main">
+        <mc:Choice Requires="a14">
           <p:sp>
             <p:nvSpPr>
               <p:cNvPr id="4" name="テキスト ボックス 3">
@@ -1680,7 +1680,7 @@
             <p:spPr>
               <a:xfrm>
                 <a:off x="2339752" y="6185629"/>
-                <a:ext cx="1072730" cy="369332"/>
+                <a:ext cx="843500" cy="369332"/>
               </a:xfrm>
               <a:prstGeom prst="rect">
                 <a:avLst/>
@@ -1704,7 +1704,7 @@
                         <a:rPr kumimoji="1" lang="en-US" altLang="ja-JP" sz="2400" b="0" i="1" smtClean="0">
                           <a:latin typeface="Cambria Math" panose="02040503050406030204" pitchFamily="18" charset="0"/>
                         </a:rPr>
-                        <m:t>=−</m:t>
+                        <m:t>=</m:t>
                       </m:r>
                       <m:r>
                         <a:rPr kumimoji="1" lang="en-US" altLang="ja-JP" sz="2400" b="0" i="1" smtClean="0">
@@ -1720,7 +1720,7 @@
             </p:txBody>
           </p:sp>
         </mc:Choice>
-        <mc:Fallback>
+        <mc:Fallback xmlns="">
           <p:sp>
             <p:nvSpPr>
               <p:cNvPr id="4" name="テキスト ボックス 3">
@@ -1738,7 +1738,7 @@
             <p:spPr>
               <a:xfrm>
                 <a:off x="2339752" y="6185629"/>
-                <a:ext cx="1072730" cy="369332"/>
+                <a:ext cx="843500" cy="369332"/>
               </a:xfrm>
               <a:prstGeom prst="rect">
                 <a:avLst/>
@@ -1746,7 +1746,7 @@
               <a:blipFill>
                 <a:blip r:embed="rId5"/>
                 <a:stretch>
-                  <a:fillRect l="-2841" r="-6250" b="-6667"/>
+                  <a:fillRect l="-4478" r="-7463" b="-10345"/>
                 </a:stretch>
               </a:blipFill>
             </p:spPr>
@@ -1781,7 +1781,7 @@
             </p:nvSpPr>
             <p:spPr>
               <a:xfrm>
-                <a:off x="1331640" y="1052736"/>
+                <a:off x="899592" y="1722004"/>
                 <a:ext cx="2301143" cy="492443"/>
               </a:xfrm>
               <a:prstGeom prst="rect">
@@ -1857,7 +1857,7 @@
             </p:nvSpPr>
             <p:spPr>
               <a:xfrm>
-                <a:off x="1331640" y="1052736"/>
+                <a:off x="899592" y="1722004"/>
                 <a:ext cx="2301143" cy="492443"/>
               </a:xfrm>
               <a:prstGeom prst="rect">
@@ -1866,7 +1866,7 @@
               <a:blipFill>
                 <a:blip r:embed="rId6"/>
                 <a:stretch>
-                  <a:fillRect/>
+                  <a:fillRect l="-2198" r="-4945" b="-32500"/>
                 </a:stretch>
               </a:blipFill>
             </p:spPr>
@@ -1901,7 +1901,7 @@
             </p:nvSpPr>
             <p:spPr>
               <a:xfrm>
-                <a:off x="5508104" y="980728"/>
+                <a:off x="4304978" y="689993"/>
                 <a:ext cx="2864695" cy="764505"/>
               </a:xfrm>
               <a:prstGeom prst="rect">
@@ -2057,7 +2057,7 @@
             </p:nvSpPr>
             <p:spPr>
               <a:xfrm>
-                <a:off x="5508104" y="980728"/>
+                <a:off x="4304978" y="689993"/>
                 <a:ext cx="2864695" cy="764505"/>
               </a:xfrm>
               <a:prstGeom prst="rect">
@@ -2066,7 +2066,7 @@
               <a:blipFill>
                 <a:blip r:embed="rId7"/>
                 <a:stretch>
-                  <a:fillRect/>
+                  <a:fillRect l="-1762" t="-1639" r="-1762" b="-18033"/>
                 </a:stretch>
               </a:blipFill>
             </p:spPr>
@@ -2085,8 +2085,8 @@
           </p:sp>
         </mc:Fallback>
       </mc:AlternateContent>
-      <mc:AlternateContent xmlns:mc="http://schemas.openxmlformats.org/markup-compatibility/2006">
-        <mc:Choice xmlns:a14="http://schemas.microsoft.com/office/drawing/2010/main" Requires="a14">
+      <mc:AlternateContent xmlns:mc="http://schemas.openxmlformats.org/markup-compatibility/2006" xmlns:a14="http://schemas.microsoft.com/office/drawing/2010/main">
+        <mc:Choice Requires="a14">
           <p:sp>
             <p:nvSpPr>
               <p:cNvPr id="7" name="テキスト ボックス 6">
@@ -2102,7 +2102,7 @@
             <p:spPr>
               <a:xfrm>
                 <a:off x="1187624" y="2780928"/>
-                <a:ext cx="3261662" cy="553998"/>
+                <a:ext cx="2917016" cy="553998"/>
               </a:xfrm>
               <a:prstGeom prst="rect">
                 <a:avLst/>
@@ -2143,7 +2143,7 @@
                             <a:rPr kumimoji="1" lang="en-US" altLang="ja-JP" sz="3600" b="0" i="1" smtClean="0">
                               <a:latin typeface="Cambria Math" panose="02040503050406030204" pitchFamily="18" charset="0"/>
                             </a:rPr>
-                            <m:t>,−</m:t>
+                            <m:t>,</m:t>
                           </m:r>
                           <m:r>
                             <a:rPr kumimoji="1" lang="en-US" altLang="ja-JP" sz="3600" b="0" i="1" smtClean="0">
@@ -2173,7 +2173,7 @@
             </p:txBody>
           </p:sp>
         </mc:Choice>
-        <mc:Fallback>
+        <mc:Fallback xmlns="">
           <p:sp>
             <p:nvSpPr>
               <p:cNvPr id="7" name="テキスト ボックス 6">
@@ -2191,7 +2191,7 @@
             <p:spPr>
               <a:xfrm>
                 <a:off x="1187624" y="2780928"/>
-                <a:ext cx="3261662" cy="553998"/>
+                <a:ext cx="2917016" cy="553998"/>
               </a:xfrm>
               <a:prstGeom prst="rect">
                 <a:avLst/>
@@ -2199,7 +2199,7 @@
               <a:blipFill>
                 <a:blip r:embed="rId8"/>
                 <a:stretch>
-                  <a:fillRect/>
+                  <a:fillRect r="-2597" b="-6667"/>
                 </a:stretch>
               </a:blipFill>
             </p:spPr>
@@ -2234,7 +2234,7 @@
             </p:nvSpPr>
             <p:spPr>
               <a:xfrm>
-                <a:off x="5940152" y="2420888"/>
+                <a:off x="6271745" y="2200548"/>
                 <a:ext cx="1540615" cy="1664815"/>
               </a:xfrm>
               <a:prstGeom prst="rect">
@@ -2428,7 +2428,7 @@
             </p:nvSpPr>
             <p:spPr>
               <a:xfrm>
-                <a:off x="5940152" y="2420888"/>
+                <a:off x="6271745" y="2200548"/>
                 <a:ext cx="1540615" cy="1664815"/>
               </a:xfrm>
               <a:prstGeom prst="rect">
@@ -2437,7 +2437,7 @@
               <a:blipFill>
                 <a:blip r:embed="rId9"/>
                 <a:stretch>
-                  <a:fillRect/>
+                  <a:fillRect r="-4065" b="-6061"/>
                 </a:stretch>
               </a:blipFill>
             </p:spPr>
@@ -2470,8 +2470,8 @@
         </p:nvSpPr>
         <p:spPr>
           <a:xfrm>
-            <a:off x="4716016" y="2852936"/>
-            <a:ext cx="1008112" cy="432048"/>
+            <a:off x="4668953" y="2852267"/>
+            <a:ext cx="1256147" cy="442025"/>
           </a:xfrm>
           <a:prstGeom prst="leftRightArrow">
             <a:avLst/>
@@ -2510,7 +2510,7 @@
         </p:nvSpPr>
         <p:spPr>
           <a:xfrm>
-            <a:off x="1619672" y="404664"/>
+            <a:off x="1187624" y="1073932"/>
             <a:ext cx="1571264" cy="461665"/>
           </a:xfrm>
           <a:prstGeom prst="rect">
@@ -2561,7 +2561,7 @@
         </p:nvSpPr>
         <p:spPr>
           <a:xfrm>
-            <a:off x="5508104" y="404664"/>
+            <a:off x="4304978" y="113929"/>
             <a:ext cx="2953053" cy="461665"/>
           </a:xfrm>
           <a:prstGeom prst="rect">
@@ -2702,8 +2702,8 @@
         </p:nvCxnSpPr>
         <p:spPr>
           <a:xfrm rot="5400000">
-            <a:off x="5058054" y="710698"/>
-            <a:ext cx="792088" cy="3060340"/>
+            <a:off x="4311124" y="1166893"/>
+            <a:ext cx="1082823" cy="1857214"/>
           </a:xfrm>
           <a:prstGeom prst="bentConnector3">
             <a:avLst>
@@ -2752,12 +2752,12 @@
         </p:nvCxnSpPr>
         <p:spPr>
           <a:xfrm rot="10800000" flipH="1" flipV="1">
-            <a:off x="755576" y="1196751"/>
-            <a:ext cx="432048" cy="1861175"/>
+            <a:off x="323528" y="1866019"/>
+            <a:ext cx="864096" cy="1191907"/>
           </a:xfrm>
           <a:prstGeom prst="bentConnector3">
             <a:avLst>
-              <a:gd name="adj1" fmla="val -52911"/>
+              <a:gd name="adj1" fmla="val -26455"/>
             </a:avLst>
           </a:prstGeom>
           <a:ln w="9525">
@@ -2784,6 +2784,49 @@
           </a:fontRef>
         </p:style>
       </p:cxnSp>
+      <p:sp>
+        <p:nvSpPr>
+          <p:cNvPr id="8" name="テキスト ボックス 7">
+            <a:extLst>
+              <a:ext uri="{FF2B5EF4-FFF2-40B4-BE49-F238E27FC236}">
+                <a16:creationId xmlns:a16="http://schemas.microsoft.com/office/drawing/2014/main" id="{60757567-06A2-0246-2664-CD222BEBAFC8}"/>
+              </a:ext>
+            </a:extLst>
+          </p:cNvPr>
+          <p:cNvSpPr txBox="1"/>
+          <p:nvPr/>
+        </p:nvSpPr>
+        <p:spPr>
+          <a:xfrm>
+            <a:off x="6266446" y="1737392"/>
+            <a:ext cx="1723549" cy="461665"/>
+          </a:xfrm>
+          <a:prstGeom prst="rect">
+            <a:avLst/>
+          </a:prstGeom>
+          <a:solidFill>
+            <a:schemeClr val="bg1"/>
+          </a:solidFill>
+          <a:ln>
+            <a:solidFill>
+              <a:schemeClr val="tx1"/>
+            </a:solidFill>
+          </a:ln>
+        </p:spPr>
+        <p:txBody>
+          <a:bodyPr wrap="none" rtlCol="0">
+            <a:spAutoFit/>
+          </a:bodyPr>
+          <a:lstStyle/>
+          <a:p>
+            <a:r>
+              <a:rPr lang="ja-JP" altLang="en-US" sz="2400"/>
+              <a:t>正準方程式</a:t>
+            </a:r>
+            <a:endParaRPr kumimoji="1" lang="ja-JP" altLang="en-US" sz="2400" dirty="0"/>
+          </a:p>
+        </p:txBody>
+      </p:sp>
     </p:spTree>
     <p:extLst>
       <p:ext uri="{BB962C8B-B14F-4D97-AF65-F5344CB8AC3E}">
